--- a/Major's Collider.pptx
+++ b/Major's Collider.pptx
@@ -3300,7 +3300,7 @@
         <p:spPr>
           <a:xfrm>
             <a:off x="3486874" y="2862400"/>
-            <a:ext cx="5657126" cy="1846659"/>
+            <a:ext cx="5337102" cy="1015663"/>
           </a:xfrm>
           <a:prstGeom prst="rect">
             <a:avLst/>
@@ -3348,7 +3348,7 @@
                   </a:schemeClr>
                 </a:solidFill>
               </a:rPr>
-              <a:t>Player</a:t>
+              <a:t>NPC&gt; </a:t>
             </a:r>
             <a:r>
               <a:rPr lang="en-US" altLang="zh-CN" sz="1200" dirty="0" smtClean="0">
@@ -3359,28 +3359,8 @@
                   </a:schemeClr>
                 </a:solidFill>
               </a:rPr>
-              <a:t>&gt; : just collider with ground and brick</a:t>
-            </a:r>
-            <a:endParaRPr lang="en-US" altLang="zh-CN" sz="1200" dirty="0" smtClean="0">
-              <a:solidFill>
-                <a:schemeClr val="tx1">
-                  <a:lumMod val="75000"/>
-                  <a:lumOff val="25000"/>
-                </a:schemeClr>
-              </a:solidFill>
-            </a:endParaRPr>
-          </a:p>
-          <a:p>
-            <a:endParaRPr lang="en-US" altLang="zh-CN" sz="1200" dirty="0" smtClean="0">
-              <a:solidFill>
-                <a:schemeClr val="tx1">
-                  <a:lumMod val="75000"/>
-                  <a:lumOff val="25000"/>
-                </a:schemeClr>
-              </a:solidFill>
-            </a:endParaRPr>
-          </a:p>
-          <a:p>
+              <a:t>: just collider with </a:t>
+            </a:r>
             <a:r>
               <a:rPr lang="en-US" altLang="zh-CN" sz="1200" dirty="0" smtClean="0">
                 <a:solidFill>
@@ -3390,7 +3370,40 @@
                   </a:schemeClr>
                 </a:solidFill>
               </a:rPr>
-              <a:t>Front : Box Collider :&lt;Layer Front : cancel physics detection between Front and Ground&gt;</a:t>
+              <a:t>ground</a:t>
+            </a:r>
+            <a:r>
+              <a:rPr lang="en-US" altLang="zh-CN" sz="1200" dirty="0" smtClean="0">
+                <a:solidFill>
+                  <a:schemeClr val="tx1">
+                    <a:lumMod val="75000"/>
+                    <a:lumOff val="25000"/>
+                  </a:schemeClr>
+                </a:solidFill>
+              </a:rPr>
+              <a:t>, box</a:t>
+            </a:r>
+            <a:r>
+              <a:rPr lang="en-US" altLang="zh-CN" sz="1200" dirty="0" smtClean="0">
+                <a:solidFill>
+                  <a:schemeClr val="tx1">
+                    <a:lumMod val="75000"/>
+                    <a:lumOff val="25000"/>
+                  </a:schemeClr>
+                </a:solidFill>
+              </a:rPr>
+              <a:t> </a:t>
+            </a:r>
+            <a:r>
+              <a:rPr lang="en-US" altLang="zh-CN" sz="1200" dirty="0" smtClean="0">
+                <a:solidFill>
+                  <a:schemeClr val="tx1">
+                    <a:lumMod val="75000"/>
+                    <a:lumOff val="25000"/>
+                  </a:schemeClr>
+                </a:solidFill>
+              </a:rPr>
+              <a:t>and brick</a:t>
             </a:r>
           </a:p>
           <a:p>
@@ -3399,36 +3412,6 @@
                 <a:schemeClr val="tx1">
                   <a:lumMod val="75000"/>
                   <a:lumOff val="25000"/>
-                </a:schemeClr>
-              </a:solidFill>
-            </a:endParaRPr>
-          </a:p>
-          <a:p>
-            <a:r>
-              <a:rPr lang="en-US" altLang="zh-CN" sz="1200" dirty="0" smtClean="0">
-                <a:solidFill>
-                  <a:schemeClr val="tx1">
-                    <a:lumMod val="75000"/>
-                    <a:lumOff val="25000"/>
-                  </a:schemeClr>
-                </a:solidFill>
-              </a:rPr>
-              <a:t>Ground : Box Collider :&lt;Layer Default&gt;</a:t>
-            </a:r>
-            <a:endParaRPr lang="en-US" altLang="zh-CN" sz="1200" dirty="0">
-              <a:solidFill>
-                <a:schemeClr val="tx1">
-                  <a:lumMod val="75000"/>
-                  <a:lumOff val="25000"/>
-                </a:schemeClr>
-              </a:solidFill>
-            </a:endParaRPr>
-          </a:p>
-          <a:p>
-            <a:endParaRPr lang="en-US" altLang="zh-CN" dirty="0">
-              <a:solidFill>
-                <a:schemeClr val="bg1">
-                  <a:lumMod val="85000"/>
                 </a:schemeClr>
               </a:solidFill>
             </a:endParaRPr>

--- a/Major's Collider.pptx
+++ b/Major's Collider.pptx
@@ -289,7 +289,7 @@
           <a:p>
             <a:fld id="{530820CF-B880-4189-942D-D702A7CBA730}" type="datetimeFigureOut">
               <a:rPr lang="zh-CN" altLang="en-US" smtClean="0"/>
-              <a:t>2017/9/7</a:t>
+              <a:t>2017/9/9</a:t>
             </a:fld>
             <a:endParaRPr lang="zh-CN" altLang="en-US"/>
           </a:p>
@@ -454,7 +454,7 @@
           <a:p>
             <a:fld id="{530820CF-B880-4189-942D-D702A7CBA730}" type="datetimeFigureOut">
               <a:rPr lang="zh-CN" altLang="en-US" smtClean="0"/>
-              <a:t>2017/9/7</a:t>
+              <a:t>2017/9/9</a:t>
             </a:fld>
             <a:endParaRPr lang="zh-CN" altLang="en-US"/>
           </a:p>
@@ -629,7 +629,7 @@
           <a:p>
             <a:fld id="{530820CF-B880-4189-942D-D702A7CBA730}" type="datetimeFigureOut">
               <a:rPr lang="zh-CN" altLang="en-US" smtClean="0"/>
-              <a:t>2017/9/7</a:t>
+              <a:t>2017/9/9</a:t>
             </a:fld>
             <a:endParaRPr lang="zh-CN" altLang="en-US"/>
           </a:p>
@@ -794,7 +794,7 @@
           <a:p>
             <a:fld id="{530820CF-B880-4189-942D-D702A7CBA730}" type="datetimeFigureOut">
               <a:rPr lang="zh-CN" altLang="en-US" smtClean="0"/>
-              <a:t>2017/9/7</a:t>
+              <a:t>2017/9/9</a:t>
             </a:fld>
             <a:endParaRPr lang="zh-CN" altLang="en-US"/>
           </a:p>
@@ -1035,7 +1035,7 @@
           <a:p>
             <a:fld id="{530820CF-B880-4189-942D-D702A7CBA730}" type="datetimeFigureOut">
               <a:rPr lang="zh-CN" altLang="en-US" smtClean="0"/>
-              <a:t>2017/9/7</a:t>
+              <a:t>2017/9/9</a:t>
             </a:fld>
             <a:endParaRPr lang="zh-CN" altLang="en-US"/>
           </a:p>
@@ -1318,7 +1318,7 @@
           <a:p>
             <a:fld id="{530820CF-B880-4189-942D-D702A7CBA730}" type="datetimeFigureOut">
               <a:rPr lang="zh-CN" altLang="en-US" smtClean="0"/>
-              <a:t>2017/9/7</a:t>
+              <a:t>2017/9/9</a:t>
             </a:fld>
             <a:endParaRPr lang="zh-CN" altLang="en-US"/>
           </a:p>
@@ -1735,7 +1735,7 @@
           <a:p>
             <a:fld id="{530820CF-B880-4189-942D-D702A7CBA730}" type="datetimeFigureOut">
               <a:rPr lang="zh-CN" altLang="en-US" smtClean="0"/>
-              <a:t>2017/9/7</a:t>
+              <a:t>2017/9/9</a:t>
             </a:fld>
             <a:endParaRPr lang="zh-CN" altLang="en-US"/>
           </a:p>
@@ -1848,7 +1848,7 @@
           <a:p>
             <a:fld id="{530820CF-B880-4189-942D-D702A7CBA730}" type="datetimeFigureOut">
               <a:rPr lang="zh-CN" altLang="en-US" smtClean="0"/>
-              <a:t>2017/9/7</a:t>
+              <a:t>2017/9/9</a:t>
             </a:fld>
             <a:endParaRPr lang="zh-CN" altLang="en-US"/>
           </a:p>
@@ -1938,7 +1938,7 @@
           <a:p>
             <a:fld id="{530820CF-B880-4189-942D-D702A7CBA730}" type="datetimeFigureOut">
               <a:rPr lang="zh-CN" altLang="en-US" smtClean="0"/>
-              <a:t>2017/9/7</a:t>
+              <a:t>2017/9/9</a:t>
             </a:fld>
             <a:endParaRPr lang="zh-CN" altLang="en-US"/>
           </a:p>
@@ -2210,7 +2210,7 @@
           <a:p>
             <a:fld id="{530820CF-B880-4189-942D-D702A7CBA730}" type="datetimeFigureOut">
               <a:rPr lang="zh-CN" altLang="en-US" smtClean="0"/>
-              <a:t>2017/9/7</a:t>
+              <a:t>2017/9/9</a:t>
             </a:fld>
             <a:endParaRPr lang="zh-CN" altLang="en-US"/>
           </a:p>
@@ -2458,7 +2458,7 @@
           <a:p>
             <a:fld id="{530820CF-B880-4189-942D-D702A7CBA730}" type="datetimeFigureOut">
               <a:rPr lang="zh-CN" altLang="en-US" smtClean="0"/>
-              <a:t>2017/9/7</a:t>
+              <a:t>2017/9/9</a:t>
             </a:fld>
             <a:endParaRPr lang="zh-CN" altLang="en-US"/>
           </a:p>
@@ -2666,7 +2666,7 @@
           <a:p>
             <a:fld id="{530820CF-B880-4189-942D-D702A7CBA730}" type="datetimeFigureOut">
               <a:rPr lang="zh-CN" altLang="en-US" smtClean="0"/>
-              <a:t>2017/9/7</a:t>
+              <a:t>2017/9/9</a:t>
             </a:fld>
             <a:endParaRPr lang="zh-CN" altLang="en-US"/>
           </a:p>
@@ -3027,29 +3027,9 @@
         <a:gradFill flip="none" rotWithShape="1">
           <a:gsLst>
             <a:gs pos="0">
-              <a:schemeClr val="tx1">
-                <a:lumMod val="50000"/>
-                <a:lumOff val="50000"/>
-              </a:schemeClr>
+              <a:schemeClr val="tx1"/>
             </a:gs>
-            <a:gs pos="50000">
-              <a:schemeClr val="bg1">
-                <a:lumMod val="75000"/>
-              </a:schemeClr>
-            </a:gs>
-            <a:gs pos="73650">
-              <a:schemeClr val="tx1">
-                <a:lumMod val="50000"/>
-                <a:lumOff val="50000"/>
-              </a:schemeClr>
-            </a:gs>
-            <a:gs pos="32000">
-              <a:schemeClr val="tx1">
-                <a:lumMod val="50000"/>
-                <a:lumOff val="50000"/>
-              </a:schemeClr>
-            </a:gs>
-            <a:gs pos="100000">
+            <a:gs pos="98000">
               <a:schemeClr val="tx1">
                 <a:lumMod val="65000"/>
                 <a:lumOff val="35000"/>
@@ -3086,8 +3066,8 @@
         </p:nvSpPr>
         <p:spPr>
           <a:xfrm>
-            <a:off x="323528" y="1021378"/>
-            <a:ext cx="3256020" cy="1384995"/>
+            <a:off x="0" y="1021377"/>
+            <a:ext cx="4750018" cy="1723549"/>
           </a:xfrm>
           <a:prstGeom prst="rect">
             <a:avLst/>
@@ -3102,6 +3082,9 @@
           <a:p>
             <a:r>
               <a:rPr lang="en-US" altLang="zh-CN" dirty="0" smtClean="0">
+                <a:solidFill>
+                  <a:schemeClr val="bg2"/>
+                </a:solidFill>
                 <a:latin typeface="微软雅黑" pitchFamily="34" charset="-122"/>
                 <a:ea typeface="微软雅黑" pitchFamily="34" charset="-122"/>
                 <a:cs typeface="Verdana" pitchFamily="34" charset="0"/>
@@ -3210,7 +3193,47 @@
                 <a:ea typeface="微软雅黑" pitchFamily="34" charset="-122"/>
                 <a:cs typeface="Verdana" pitchFamily="34" charset="0"/>
               </a:rPr>
-              <a:t>Brick: Layer -&gt; Brick &lt;Major can jump down&gt;</a:t>
+              <a:t>Brick: Layer -&gt; Brick &lt;Major can jump down</a:t>
+            </a:r>
+            <a:r>
+              <a:rPr lang="en-US" altLang="zh-CN" sz="1100" dirty="0" smtClean="0">
+                <a:solidFill>
+                  <a:schemeClr val="bg1">
+                    <a:lumMod val="85000"/>
+                  </a:schemeClr>
+                </a:solidFill>
+                <a:latin typeface="微软雅黑" pitchFamily="34" charset="-122"/>
+                <a:ea typeface="微软雅黑" pitchFamily="34" charset="-122"/>
+                <a:cs typeface="Verdana" pitchFamily="34" charset="0"/>
+              </a:rPr>
+              <a:t>&gt;</a:t>
+            </a:r>
+          </a:p>
+          <a:p>
+            <a:endParaRPr lang="en-US" altLang="zh-CN" sz="1100" dirty="0">
+              <a:solidFill>
+                <a:schemeClr val="bg1">
+                  <a:lumMod val="85000"/>
+                </a:schemeClr>
+              </a:solidFill>
+              <a:latin typeface="微软雅黑" pitchFamily="34" charset="-122"/>
+              <a:ea typeface="微软雅黑" pitchFamily="34" charset="-122"/>
+              <a:cs typeface="Verdana" pitchFamily="34" charset="0"/>
+            </a:endParaRPr>
+          </a:p>
+          <a:p>
+            <a:r>
+              <a:rPr lang="en-US" altLang="zh-CN" sz="1100" dirty="0" smtClean="0">
+                <a:solidFill>
+                  <a:schemeClr val="bg1">
+                    <a:lumMod val="85000"/>
+                  </a:schemeClr>
+                </a:solidFill>
+                <a:latin typeface="微软雅黑" pitchFamily="34" charset="-122"/>
+                <a:ea typeface="微软雅黑" pitchFamily="34" charset="-122"/>
+                <a:cs typeface="Verdana" pitchFamily="34" charset="0"/>
+              </a:rPr>
+              <a:t>NPC : Layer -&gt; Character &lt;just collider with ground, box and brick&gt;</a:t>
             </a:r>
             <a:endParaRPr lang="zh-CN" altLang="en-US" sz="1100" dirty="0">
               <a:solidFill>
@@ -3233,7 +3256,7 @@
         </p:nvSpPr>
         <p:spPr>
           <a:xfrm>
-            <a:off x="323528" y="4941168"/>
+            <a:off x="0" y="4941168"/>
             <a:ext cx="4044569" cy="1477328"/>
           </a:xfrm>
           <a:prstGeom prst="rect">
@@ -3299,7 +3322,7 @@
         </p:nvSpPr>
         <p:spPr>
           <a:xfrm>
-            <a:off x="3486874" y="2862400"/>
+            <a:off x="3806898" y="3573016"/>
             <a:ext cx="5337102" cy="1015663"/>
           </a:xfrm>
           <a:prstGeom prst="rect">
@@ -3332,78 +3355,12 @@
               <a:rPr lang="en-US" altLang="zh-CN" sz="1200" dirty="0" smtClean="0">
                 <a:solidFill>
                   <a:schemeClr val="tx1">
-                    <a:lumMod val="75000"/>
-                    <a:lumOff val="25000"/>
+                    <a:lumMod val="50000"/>
+                    <a:lumOff val="50000"/>
                   </a:schemeClr>
                 </a:solidFill>
               </a:rPr>
-              <a:t>Character : Capsule Collider : &lt;Layer </a:t>
-            </a:r>
-            <a:r>
-              <a:rPr lang="en-US" altLang="zh-CN" sz="1200" dirty="0" smtClean="0">
-                <a:solidFill>
-                  <a:schemeClr val="tx1">
-                    <a:lumMod val="75000"/>
-                    <a:lumOff val="25000"/>
-                  </a:schemeClr>
-                </a:solidFill>
-              </a:rPr>
-              <a:t>NPC&gt; </a:t>
-            </a:r>
-            <a:r>
-              <a:rPr lang="en-US" altLang="zh-CN" sz="1200" dirty="0" smtClean="0">
-                <a:solidFill>
-                  <a:schemeClr val="tx1">
-                    <a:lumMod val="75000"/>
-                    <a:lumOff val="25000"/>
-                  </a:schemeClr>
-                </a:solidFill>
-              </a:rPr>
-              <a:t>: just collider with </a:t>
-            </a:r>
-            <a:r>
-              <a:rPr lang="en-US" altLang="zh-CN" sz="1200" dirty="0" smtClean="0">
-                <a:solidFill>
-                  <a:schemeClr val="tx1">
-                    <a:lumMod val="75000"/>
-                    <a:lumOff val="25000"/>
-                  </a:schemeClr>
-                </a:solidFill>
-              </a:rPr>
-              <a:t>ground</a:t>
-            </a:r>
-            <a:r>
-              <a:rPr lang="en-US" altLang="zh-CN" sz="1200" dirty="0" smtClean="0">
-                <a:solidFill>
-                  <a:schemeClr val="tx1">
-                    <a:lumMod val="75000"/>
-                    <a:lumOff val="25000"/>
-                  </a:schemeClr>
-                </a:solidFill>
-              </a:rPr>
-              <a:t>, box</a:t>
-            </a:r>
-            <a:r>
-              <a:rPr lang="en-US" altLang="zh-CN" sz="1200" dirty="0" smtClean="0">
-                <a:solidFill>
-                  <a:schemeClr val="tx1">
-                    <a:lumMod val="75000"/>
-                    <a:lumOff val="25000"/>
-                  </a:schemeClr>
-                </a:solidFill>
-              </a:rPr>
-              <a:t> </a:t>
-            </a:r>
-            <a:r>
-              <a:rPr lang="en-US" altLang="zh-CN" sz="1200" dirty="0" smtClean="0">
-                <a:solidFill>
-                  <a:schemeClr val="tx1">
-                    <a:lumMod val="75000"/>
-                    <a:lumOff val="25000"/>
-                  </a:schemeClr>
-                </a:solidFill>
-              </a:rPr>
-              <a:t>and brick</a:t>
+              <a:t>Character : Capsule Collider : &lt;Layer NPC&gt; : just collider with ground, box and brick</a:t>
             </a:r>
           </a:p>
           <a:p>
@@ -3412,6 +3369,78 @@
                 <a:schemeClr val="tx1">
                   <a:lumMod val="75000"/>
                   <a:lumOff val="25000"/>
+                </a:schemeClr>
+              </a:solidFill>
+            </a:endParaRPr>
+          </a:p>
+        </p:txBody>
+      </p:sp>
+      <p:pic>
+        <p:nvPicPr>
+          <p:cNvPr id="5" name="图片 4"/>
+          <p:cNvPicPr>
+            <a:picLocks noChangeAspect="1"/>
+          </p:cNvPicPr>
+          <p:nvPr/>
+        </p:nvPicPr>
+        <p:blipFill>
+          <a:blip r:embed="rId2" cstate="print">
+            <a:extLst>
+              <a:ext uri="{28A0092B-C50C-407E-A947-70E740481C1C}">
+                <a14:useLocalDpi xmlns:a14="http://schemas.microsoft.com/office/drawing/2010/main" val="0"/>
+              </a:ext>
+            </a:extLst>
+          </a:blip>
+          <a:stretch>
+            <a:fillRect/>
+          </a:stretch>
+        </p:blipFill>
+        <p:spPr>
+          <a:xfrm>
+            <a:off x="6936880" y="6021288"/>
+            <a:ext cx="2195736" cy="836712"/>
+          </a:xfrm>
+          <a:prstGeom prst="rect">
+            <a:avLst/>
+          </a:prstGeom>
+        </p:spPr>
+      </p:pic>
+      <p:sp>
+        <p:nvSpPr>
+          <p:cNvPr id="2" name="TextBox 1"/>
+          <p:cNvSpPr txBox="1"/>
+          <p:nvPr/>
+        </p:nvSpPr>
+        <p:spPr>
+          <a:xfrm>
+            <a:off x="3131840" y="332656"/>
+            <a:ext cx="2722733" cy="461665"/>
+          </a:xfrm>
+          <a:prstGeom prst="rect">
+            <a:avLst/>
+          </a:prstGeom>
+          <a:noFill/>
+        </p:spPr>
+        <p:txBody>
+          <a:bodyPr wrap="none" rtlCol="0">
+            <a:spAutoFit/>
+          </a:bodyPr>
+          <a:lstStyle/>
+          <a:p>
+            <a:r>
+              <a:rPr lang="en-US" altLang="zh-CN" sz="2400" dirty="0" smtClean="0">
+                <a:solidFill>
+                  <a:schemeClr val="bg1">
+                    <a:lumMod val="75000"/>
+                  </a:schemeClr>
+                </a:solidFill>
+              </a:rPr>
+              <a:t>Game Layer Settings</a:t>
+            </a:r>
+            <a:endParaRPr lang="zh-CN" altLang="en-US" sz="2400" dirty="0">
+              <a:solidFill>
+                <a:schemeClr val="bg1">
+                  <a:lumMod val="75000"/>
                 </a:schemeClr>
               </a:solidFill>
             </a:endParaRPr>
@@ -3443,9 +3472,26 @@
   <p:cSld>
     <p:bg>
       <p:bgPr>
-        <a:solidFill>
-          <a:schemeClr val="tx1"/>
-        </a:solidFill>
+        <a:gradFill flip="none" rotWithShape="1">
+          <a:gsLst>
+            <a:gs pos="43000">
+              <a:schemeClr val="tx1">
+                <a:lumMod val="95000"/>
+                <a:lumOff val="5000"/>
+              </a:schemeClr>
+            </a:gs>
+            <a:gs pos="100000">
+              <a:schemeClr val="tx1">
+                <a:lumMod val="50000"/>
+                <a:lumOff val="50000"/>
+              </a:schemeClr>
+            </a:gs>
+          </a:gsLst>
+          <a:path path="circle">
+            <a:fillToRect t="100000" r="100000"/>
+          </a:path>
+          <a:tileRect l="-100000" b="-100000"/>
+        </a:gradFill>
         <a:effectLst/>
       </p:bgPr>
     </p:bg>
@@ -3463,16 +3509,46 @@
           <a:chExt cx="0" cy="0"/>
         </a:xfrm>
       </p:grpSpPr>
-      <p:sp>
-        <p:nvSpPr>
-          <p:cNvPr id="4" name="TextBox 3"/>
+      <p:pic>
+        <p:nvPicPr>
+          <p:cNvPr id="4" name="图片 3"/>
+          <p:cNvPicPr>
+            <a:picLocks noChangeAspect="1"/>
+          </p:cNvPicPr>
+          <p:nvPr/>
+        </p:nvPicPr>
+        <p:blipFill>
+          <a:blip r:embed="rId2" cstate="print">
+            <a:extLst>
+              <a:ext uri="{28A0092B-C50C-407E-A947-70E740481C1C}">
+                <a14:useLocalDpi xmlns:a14="http://schemas.microsoft.com/office/drawing/2010/main" val="0"/>
+              </a:ext>
+            </a:extLst>
+          </a:blip>
+          <a:stretch>
+            <a:fillRect/>
+          </a:stretch>
+        </p:blipFill>
+        <p:spPr>
+          <a:xfrm>
+            <a:off x="6936880" y="6021288"/>
+            <a:ext cx="2195736" cy="836712"/>
+          </a:xfrm>
+          <a:prstGeom prst="rect">
+            <a:avLst/>
+          </a:prstGeom>
+        </p:spPr>
+      </p:pic>
+      <p:sp>
+        <p:nvSpPr>
+          <p:cNvPr id="5" name="TextBox 4"/>
           <p:cNvSpPr txBox="1"/>
           <p:nvPr/>
         </p:nvSpPr>
         <p:spPr>
           <a:xfrm>
-            <a:off x="2339752" y="332656"/>
-            <a:ext cx="2518638" cy="307777"/>
+            <a:off x="3131840" y="260648"/>
+            <a:ext cx="2898935" cy="461665"/>
           </a:xfrm>
           <a:prstGeom prst="rect">
             <a:avLst/>
@@ -3486,687 +3562,17 @@
           <a:lstStyle/>
           <a:p>
             <a:r>
-              <a:rPr lang="zh-CN" altLang="en-US" sz="1400" dirty="0" smtClean="0">
+              <a:rPr lang="en-US" altLang="zh-CN" sz="2400" dirty="0" smtClean="0">
                 <a:solidFill>
-                  <a:schemeClr val="bg1">
-                    <a:lumMod val="75000"/>
-                  </a:schemeClr>
+                  <a:schemeClr val="bg2"/>
                 </a:solidFill>
-                <a:latin typeface="微软雅黑" pitchFamily="34" charset="-122"/>
-                <a:ea typeface="微软雅黑" pitchFamily="34" charset="-122"/>
               </a:rPr>
-              <a:t>角色碰到多个盒子的处理方案</a:t>
-            </a:r>
-            <a:endParaRPr lang="zh-CN" altLang="en-US" sz="1400" dirty="0">
+              <a:t>Jump up , Jump down</a:t>
+            </a:r>
+            <a:endParaRPr lang="zh-CN" altLang="en-US" sz="2400" dirty="0">
               <a:solidFill>
-                <a:schemeClr val="bg1">
-                  <a:lumMod val="75000"/>
-                </a:schemeClr>
+                <a:schemeClr val="bg2"/>
               </a:solidFill>
-              <a:latin typeface="微软雅黑" pitchFamily="34" charset="-122"/>
-              <a:ea typeface="微软雅黑" pitchFamily="34" charset="-122"/>
-            </a:endParaRPr>
-          </a:p>
-        </p:txBody>
-      </p:sp>
-      <p:sp>
-        <p:nvSpPr>
-          <p:cNvPr id="5" name="矩形 4"/>
-          <p:cNvSpPr/>
-          <p:nvPr/>
-        </p:nvSpPr>
-        <p:spPr>
-          <a:xfrm>
-            <a:off x="1187624" y="1988840"/>
-            <a:ext cx="576064" cy="360040"/>
-          </a:xfrm>
-          <a:prstGeom prst="rect">
-            <a:avLst/>
-          </a:prstGeom>
-        </p:spPr>
-        <p:style>
-          <a:lnRef idx="2">
-            <a:schemeClr val="accent1">
-              <a:shade val="50000"/>
-            </a:schemeClr>
-          </a:lnRef>
-          <a:fillRef idx="1">
-            <a:schemeClr val="accent1"/>
-          </a:fillRef>
-          <a:effectRef idx="0">
-            <a:schemeClr val="accent1"/>
-          </a:effectRef>
-          <a:fontRef idx="minor">
-            <a:schemeClr val="lt1"/>
-          </a:fontRef>
-        </p:style>
-        <p:txBody>
-          <a:bodyPr rtlCol="0" anchor="ctr"/>
-          <a:lstStyle/>
-          <a:p>
-            <a:pPr algn="ctr"/>
-            <a:r>
-              <a:rPr lang="en-US" altLang="zh-CN" sz="1400" dirty="0" smtClean="0"/>
-              <a:t>1</a:t>
-            </a:r>
-            <a:endParaRPr lang="zh-CN" altLang="en-US" sz="1400" dirty="0"/>
-          </a:p>
-        </p:txBody>
-      </p:sp>
-      <p:sp>
-        <p:nvSpPr>
-          <p:cNvPr id="7" name="笑脸 6"/>
-          <p:cNvSpPr/>
-          <p:nvPr/>
-        </p:nvSpPr>
-        <p:spPr>
-          <a:xfrm>
-            <a:off x="683568" y="1808820"/>
-            <a:ext cx="288032" cy="360040"/>
-          </a:xfrm>
-          <a:prstGeom prst="smileyFace">
-            <a:avLst/>
-          </a:prstGeom>
-        </p:spPr>
-        <p:style>
-          <a:lnRef idx="2">
-            <a:schemeClr val="accent1">
-              <a:shade val="50000"/>
-            </a:schemeClr>
-          </a:lnRef>
-          <a:fillRef idx="1">
-            <a:schemeClr val="accent1"/>
-          </a:fillRef>
-          <a:effectRef idx="0">
-            <a:schemeClr val="accent1"/>
-          </a:effectRef>
-          <a:fontRef idx="minor">
-            <a:schemeClr val="lt1"/>
-          </a:fontRef>
-        </p:style>
-        <p:txBody>
-          <a:bodyPr rtlCol="0" anchor="ctr"/>
-          <a:lstStyle/>
-          <a:p>
-            <a:pPr algn="ctr"/>
-            <a:endParaRPr lang="zh-CN" altLang="en-US" sz="1400"/>
-          </a:p>
-        </p:txBody>
-      </p:sp>
-      <p:sp>
-        <p:nvSpPr>
-          <p:cNvPr id="8" name="矩形 7"/>
-          <p:cNvSpPr/>
-          <p:nvPr/>
-        </p:nvSpPr>
-        <p:spPr>
-          <a:xfrm>
-            <a:off x="1187624" y="1628800"/>
-            <a:ext cx="576064" cy="360040"/>
-          </a:xfrm>
-          <a:prstGeom prst="rect">
-            <a:avLst/>
-          </a:prstGeom>
-        </p:spPr>
-        <p:style>
-          <a:lnRef idx="2">
-            <a:schemeClr val="accent1">
-              <a:shade val="50000"/>
-            </a:schemeClr>
-          </a:lnRef>
-          <a:fillRef idx="1">
-            <a:schemeClr val="accent1"/>
-          </a:fillRef>
-          <a:effectRef idx="0">
-            <a:schemeClr val="accent1"/>
-          </a:effectRef>
-          <a:fontRef idx="minor">
-            <a:schemeClr val="lt1"/>
-          </a:fontRef>
-        </p:style>
-        <p:txBody>
-          <a:bodyPr rtlCol="0" anchor="ctr"/>
-          <a:lstStyle/>
-          <a:p>
-            <a:pPr algn="ctr"/>
-            <a:r>
-              <a:rPr lang="en-US" altLang="zh-CN" sz="1400" dirty="0" smtClean="0"/>
-              <a:t>2</a:t>
-            </a:r>
-            <a:endParaRPr lang="zh-CN" altLang="en-US" sz="1400" dirty="0"/>
-          </a:p>
-        </p:txBody>
-      </p:sp>
-      <p:sp>
-        <p:nvSpPr>
-          <p:cNvPr id="9" name="TextBox 8"/>
-          <p:cNvSpPr txBox="1"/>
-          <p:nvPr/>
-        </p:nvSpPr>
-        <p:spPr>
-          <a:xfrm>
-            <a:off x="2483768" y="1808820"/>
-            <a:ext cx="3807453" cy="307777"/>
-          </a:xfrm>
-          <a:prstGeom prst="rect">
-            <a:avLst/>
-          </a:prstGeom>
-          <a:noFill/>
-        </p:spPr>
-        <p:txBody>
-          <a:bodyPr wrap="none" rtlCol="0">
-            <a:spAutoFit/>
-          </a:bodyPr>
-          <a:lstStyle/>
-          <a:p>
-            <a:r>
-              <a:rPr lang="zh-CN" altLang="en-US" sz="1400" dirty="0" smtClean="0">
-                <a:solidFill>
-                  <a:schemeClr val="bg1">
-                    <a:lumMod val="75000"/>
-                  </a:schemeClr>
-                </a:solidFill>
-                <a:latin typeface="微软雅黑" pitchFamily="34" charset="-122"/>
-                <a:ea typeface="微软雅黑" pitchFamily="34" charset="-122"/>
-              </a:rPr>
-              <a:t>当角色碰到盒子，首先会碰到</a:t>
-            </a:r>
-            <a:r>
-              <a:rPr lang="en-US" altLang="zh-CN" sz="1400" dirty="0" smtClean="0">
-                <a:solidFill>
-                  <a:schemeClr val="bg1">
-                    <a:lumMod val="75000"/>
-                  </a:schemeClr>
-                </a:solidFill>
-                <a:latin typeface="微软雅黑" pitchFamily="34" charset="-122"/>
-                <a:ea typeface="微软雅黑" pitchFamily="34" charset="-122"/>
-              </a:rPr>
-              <a:t>1</a:t>
-            </a:r>
-            <a:r>
-              <a:rPr lang="zh-CN" altLang="en-US" sz="1400" dirty="0" smtClean="0">
-                <a:solidFill>
-                  <a:schemeClr val="bg1">
-                    <a:lumMod val="75000"/>
-                  </a:schemeClr>
-                </a:solidFill>
-                <a:latin typeface="微软雅黑" pitchFamily="34" charset="-122"/>
-                <a:ea typeface="微软雅黑" pitchFamily="34" charset="-122"/>
-              </a:rPr>
-              <a:t>号，然后是</a:t>
-            </a:r>
-            <a:r>
-              <a:rPr lang="en-US" altLang="zh-CN" sz="1400" dirty="0" smtClean="0">
-                <a:solidFill>
-                  <a:schemeClr val="bg1">
-                    <a:lumMod val="75000"/>
-                  </a:schemeClr>
-                </a:solidFill>
-                <a:latin typeface="微软雅黑" pitchFamily="34" charset="-122"/>
-                <a:ea typeface="微软雅黑" pitchFamily="34" charset="-122"/>
-              </a:rPr>
-              <a:t>2</a:t>
-            </a:r>
-            <a:r>
-              <a:rPr lang="zh-CN" altLang="en-US" sz="1400" dirty="0" smtClean="0">
-                <a:solidFill>
-                  <a:schemeClr val="bg1">
-                    <a:lumMod val="75000"/>
-                  </a:schemeClr>
-                </a:solidFill>
-                <a:latin typeface="微软雅黑" pitchFamily="34" charset="-122"/>
-                <a:ea typeface="微软雅黑" pitchFamily="34" charset="-122"/>
-              </a:rPr>
-              <a:t>号</a:t>
-            </a:r>
-            <a:endParaRPr lang="zh-CN" altLang="en-US" sz="1400" dirty="0">
-              <a:solidFill>
-                <a:schemeClr val="bg1">
-                  <a:lumMod val="75000"/>
-                </a:schemeClr>
-              </a:solidFill>
-              <a:latin typeface="微软雅黑" pitchFamily="34" charset="-122"/>
-              <a:ea typeface="微软雅黑" pitchFamily="34" charset="-122"/>
-            </a:endParaRPr>
-          </a:p>
-        </p:txBody>
-      </p:sp>
-      <p:sp>
-        <p:nvSpPr>
-          <p:cNvPr id="10" name="TextBox 9"/>
-          <p:cNvSpPr txBox="1"/>
-          <p:nvPr/>
-        </p:nvSpPr>
-        <p:spPr>
-          <a:xfrm>
-            <a:off x="672006" y="2708920"/>
-            <a:ext cx="4984057" cy="738664"/>
-          </a:xfrm>
-          <a:prstGeom prst="rect">
-            <a:avLst/>
-          </a:prstGeom>
-          <a:noFill/>
-        </p:spPr>
-        <p:txBody>
-          <a:bodyPr wrap="none" rtlCol="0">
-            <a:spAutoFit/>
-          </a:bodyPr>
-          <a:lstStyle/>
-          <a:p>
-            <a:r>
-              <a:rPr lang="zh-CN" altLang="en-US" sz="1400" dirty="0" smtClean="0">
-                <a:solidFill>
-                  <a:schemeClr val="bg1">
-                    <a:lumMod val="75000"/>
-                  </a:schemeClr>
-                </a:solidFill>
-                <a:latin typeface="微软雅黑" pitchFamily="34" charset="-122"/>
-                <a:ea typeface="微软雅黑" pitchFamily="34" charset="-122"/>
-              </a:rPr>
-              <a:t>需求 ： </a:t>
-            </a:r>
-            <a:endParaRPr lang="en-US" altLang="zh-CN" sz="1400" dirty="0" smtClean="0">
-              <a:solidFill>
-                <a:schemeClr val="bg1">
-                  <a:lumMod val="75000"/>
-                </a:schemeClr>
-              </a:solidFill>
-              <a:latin typeface="微软雅黑" pitchFamily="34" charset="-122"/>
-              <a:ea typeface="微软雅黑" pitchFamily="34" charset="-122"/>
-            </a:endParaRPr>
-          </a:p>
-          <a:p>
-            <a:r>
-              <a:rPr lang="en-US" altLang="zh-CN" sz="1400" dirty="0">
-                <a:solidFill>
-                  <a:schemeClr val="bg1">
-                    <a:lumMod val="75000"/>
-                  </a:schemeClr>
-                </a:solidFill>
-                <a:latin typeface="微软雅黑" pitchFamily="34" charset="-122"/>
-                <a:ea typeface="微软雅黑" pitchFamily="34" charset="-122"/>
-              </a:rPr>
-              <a:t>	</a:t>
-            </a:r>
-            <a:r>
-              <a:rPr lang="en-US" altLang="zh-CN" sz="1400" dirty="0" smtClean="0">
-                <a:solidFill>
-                  <a:schemeClr val="bg1">
-                    <a:lumMod val="75000"/>
-                  </a:schemeClr>
-                </a:solidFill>
-                <a:latin typeface="微软雅黑" pitchFamily="34" charset="-122"/>
-                <a:ea typeface="微软雅黑" pitchFamily="34" charset="-122"/>
-              </a:rPr>
-              <a:t>1</a:t>
-            </a:r>
-            <a:r>
-              <a:rPr lang="zh-CN" altLang="en-US" sz="1400" dirty="0" smtClean="0">
-                <a:solidFill>
-                  <a:schemeClr val="bg1">
-                    <a:lumMod val="75000"/>
-                  </a:schemeClr>
-                </a:solidFill>
-                <a:latin typeface="微软雅黑" pitchFamily="34" charset="-122"/>
-                <a:ea typeface="微软雅黑" pitchFamily="34" charset="-122"/>
-              </a:rPr>
-              <a:t>主角先要拿起一号盒子，然后才能拿起二号盒子</a:t>
-            </a:r>
-            <a:endParaRPr lang="en-US" altLang="zh-CN" sz="1400" dirty="0" smtClean="0">
-              <a:solidFill>
-                <a:schemeClr val="bg1">
-                  <a:lumMod val="75000"/>
-                </a:schemeClr>
-              </a:solidFill>
-              <a:latin typeface="微软雅黑" pitchFamily="34" charset="-122"/>
-              <a:ea typeface="微软雅黑" pitchFamily="34" charset="-122"/>
-            </a:endParaRPr>
-          </a:p>
-          <a:p>
-            <a:r>
-              <a:rPr lang="en-US" altLang="zh-CN" sz="1400" dirty="0">
-                <a:solidFill>
-                  <a:schemeClr val="bg1">
-                    <a:lumMod val="75000"/>
-                  </a:schemeClr>
-                </a:solidFill>
-                <a:latin typeface="微软雅黑" pitchFamily="34" charset="-122"/>
-                <a:ea typeface="微软雅黑" pitchFamily="34" charset="-122"/>
-              </a:rPr>
-              <a:t>	</a:t>
-            </a:r>
-            <a:r>
-              <a:rPr lang="en-US" altLang="zh-CN" sz="1400" dirty="0" smtClean="0">
-                <a:solidFill>
-                  <a:schemeClr val="bg1">
-                    <a:lumMod val="75000"/>
-                  </a:schemeClr>
-                </a:solidFill>
-                <a:latin typeface="微软雅黑" pitchFamily="34" charset="-122"/>
-                <a:ea typeface="微软雅黑" pitchFamily="34" charset="-122"/>
-              </a:rPr>
-              <a:t>2</a:t>
-            </a:r>
-            <a:r>
-              <a:rPr lang="zh-CN" altLang="en-US" sz="1400" dirty="0" smtClean="0">
-                <a:solidFill>
-                  <a:schemeClr val="bg1">
-                    <a:lumMod val="75000"/>
-                  </a:schemeClr>
-                </a:solidFill>
-                <a:latin typeface="微软雅黑" pitchFamily="34" charset="-122"/>
-                <a:ea typeface="微软雅黑" pitchFamily="34" charset="-122"/>
-              </a:rPr>
-              <a:t>当一号盒子拿起来的时候，</a:t>
-            </a:r>
-            <a:r>
-              <a:rPr lang="en-US" altLang="zh-CN" sz="1400" dirty="0" smtClean="0">
-                <a:solidFill>
-                  <a:schemeClr val="bg1">
-                    <a:lumMod val="75000"/>
-                  </a:schemeClr>
-                </a:solidFill>
-                <a:latin typeface="微软雅黑" pitchFamily="34" charset="-122"/>
-                <a:ea typeface="微软雅黑" pitchFamily="34" charset="-122"/>
-              </a:rPr>
-              <a:t>2</a:t>
-            </a:r>
-            <a:r>
-              <a:rPr lang="zh-CN" altLang="en-US" sz="1400" dirty="0" smtClean="0">
-                <a:solidFill>
-                  <a:schemeClr val="bg1">
-                    <a:lumMod val="75000"/>
-                  </a:schemeClr>
-                </a:solidFill>
-                <a:latin typeface="微软雅黑" pitchFamily="34" charset="-122"/>
-                <a:ea typeface="微软雅黑" pitchFamily="34" charset="-122"/>
-              </a:rPr>
-              <a:t>号盒子不会下落</a:t>
-            </a:r>
-            <a:endParaRPr lang="en-US" altLang="zh-CN" sz="1400" dirty="0" smtClean="0">
-              <a:solidFill>
-                <a:schemeClr val="bg1">
-                  <a:lumMod val="75000"/>
-                </a:schemeClr>
-              </a:solidFill>
-              <a:latin typeface="微软雅黑" pitchFamily="34" charset="-122"/>
-              <a:ea typeface="微软雅黑" pitchFamily="34" charset="-122"/>
-            </a:endParaRPr>
-          </a:p>
-        </p:txBody>
-      </p:sp>
-      <p:sp>
-        <p:nvSpPr>
-          <p:cNvPr id="12" name="TextBox 11"/>
-          <p:cNvSpPr txBox="1"/>
-          <p:nvPr/>
-        </p:nvSpPr>
-        <p:spPr>
-          <a:xfrm>
-            <a:off x="827584" y="4221088"/>
-            <a:ext cx="6647204" cy="1169551"/>
-          </a:xfrm>
-          <a:prstGeom prst="rect">
-            <a:avLst/>
-          </a:prstGeom>
-          <a:noFill/>
-        </p:spPr>
-        <p:txBody>
-          <a:bodyPr wrap="none" rtlCol="0">
-            <a:spAutoFit/>
-          </a:bodyPr>
-          <a:lstStyle/>
-          <a:p>
-            <a:r>
-              <a:rPr lang="en-US" altLang="zh-CN" sz="1400" dirty="0" smtClean="0">
-                <a:solidFill>
-                  <a:schemeClr val="bg1">
-                    <a:lumMod val="75000"/>
-                  </a:schemeClr>
-                </a:solidFill>
-                <a:latin typeface="微软雅黑" pitchFamily="34" charset="-122"/>
-                <a:ea typeface="微软雅黑" pitchFamily="34" charset="-122"/>
-              </a:rPr>
-              <a:t>1 </a:t>
-            </a:r>
-            <a:r>
-              <a:rPr lang="en-US" altLang="zh-CN" sz="1400" dirty="0" err="1" smtClean="0">
-                <a:solidFill>
-                  <a:schemeClr val="bg1">
-                    <a:lumMod val="75000"/>
-                  </a:schemeClr>
-                </a:solidFill>
-                <a:latin typeface="微软雅黑" pitchFamily="34" charset="-122"/>
-                <a:ea typeface="微软雅黑" pitchFamily="34" charset="-122"/>
-              </a:rPr>
-              <a:t>OnCollisionEnter</a:t>
-            </a:r>
-            <a:r>
-              <a:rPr lang="en-US" altLang="zh-CN" sz="1400" dirty="0" smtClean="0">
-                <a:solidFill>
-                  <a:schemeClr val="bg1">
-                    <a:lumMod val="75000"/>
-                  </a:schemeClr>
-                </a:solidFill>
-                <a:latin typeface="微软雅黑" pitchFamily="34" charset="-122"/>
-                <a:ea typeface="微软雅黑" pitchFamily="34" charset="-122"/>
-              </a:rPr>
-              <a:t> -&gt; </a:t>
-            </a:r>
-            <a:r>
-              <a:rPr lang="zh-CN" altLang="en-US" sz="1400" dirty="0" smtClean="0">
-                <a:solidFill>
-                  <a:schemeClr val="bg1">
-                    <a:lumMod val="75000"/>
-                  </a:schemeClr>
-                </a:solidFill>
-                <a:latin typeface="微软雅黑" pitchFamily="34" charset="-122"/>
-                <a:ea typeface="微软雅黑" pitchFamily="34" charset="-122"/>
-              </a:rPr>
-              <a:t>在非托举状态下，可以</a:t>
-            </a:r>
-            <a:r>
-              <a:rPr lang="en-US" altLang="zh-CN" sz="1400" dirty="0" smtClean="0">
-                <a:solidFill>
-                  <a:schemeClr val="bg1">
-                    <a:lumMod val="75000"/>
-                  </a:schemeClr>
-                </a:solidFill>
-                <a:latin typeface="微软雅黑" pitchFamily="34" charset="-122"/>
-                <a:ea typeface="微软雅黑" pitchFamily="34" charset="-122"/>
-              </a:rPr>
-              <a:t>Add Box Collider</a:t>
-            </a:r>
-          </a:p>
-          <a:p>
-            <a:endParaRPr lang="en-US" altLang="zh-CN" sz="1400" dirty="0">
-              <a:solidFill>
-                <a:schemeClr val="bg1">
-                  <a:lumMod val="75000"/>
-                </a:schemeClr>
-              </a:solidFill>
-              <a:latin typeface="微软雅黑" pitchFamily="34" charset="-122"/>
-              <a:ea typeface="微软雅黑" pitchFamily="34" charset="-122"/>
-            </a:endParaRPr>
-          </a:p>
-          <a:p>
-            <a:r>
-              <a:rPr lang="en-US" altLang="zh-CN" sz="1400" dirty="0" smtClean="0">
-                <a:solidFill>
-                  <a:schemeClr val="bg1">
-                    <a:lumMod val="75000"/>
-                  </a:schemeClr>
-                </a:solidFill>
-                <a:latin typeface="微软雅黑" pitchFamily="34" charset="-122"/>
-                <a:ea typeface="微软雅黑" pitchFamily="34" charset="-122"/>
-              </a:rPr>
-              <a:t>2 </a:t>
-            </a:r>
-            <a:r>
-              <a:rPr lang="zh-CN" altLang="en-US" sz="1400" dirty="0" smtClean="0">
-                <a:solidFill>
-                  <a:schemeClr val="bg1">
-                    <a:lumMod val="75000"/>
-                  </a:schemeClr>
-                </a:solidFill>
-                <a:latin typeface="微软雅黑" pitchFamily="34" charset="-122"/>
-                <a:ea typeface="微软雅黑" pitchFamily="34" charset="-122"/>
-              </a:rPr>
-              <a:t>在发送托举指令的时候，当前非托举状态 </a:t>
-            </a:r>
-            <a:r>
-              <a:rPr lang="en-US" altLang="zh-CN" sz="1400" dirty="0" smtClean="0">
-                <a:solidFill>
-                  <a:schemeClr val="bg1">
-                    <a:lumMod val="75000"/>
-                  </a:schemeClr>
-                </a:solidFill>
-                <a:latin typeface="微软雅黑" pitchFamily="34" charset="-122"/>
-                <a:ea typeface="微软雅黑" pitchFamily="34" charset="-122"/>
-              </a:rPr>
-              <a:t>&amp;&amp; </a:t>
-            </a:r>
-            <a:r>
-              <a:rPr lang="zh-CN" altLang="en-US" sz="1400" dirty="0" smtClean="0">
-                <a:solidFill>
-                  <a:schemeClr val="bg1">
-                    <a:lumMod val="75000"/>
-                  </a:schemeClr>
-                </a:solidFill>
-                <a:latin typeface="微软雅黑" pitchFamily="34" charset="-122"/>
-                <a:ea typeface="微软雅黑" pitchFamily="34" charset="-122"/>
-              </a:rPr>
-              <a:t>当前身边的盒子数量大于</a:t>
-            </a:r>
-            <a:r>
-              <a:rPr lang="en-US" altLang="zh-CN" sz="1400" smtClean="0">
-                <a:solidFill>
-                  <a:schemeClr val="bg1">
-                    <a:lumMod val="75000"/>
-                  </a:schemeClr>
-                </a:solidFill>
-                <a:latin typeface="微软雅黑" pitchFamily="34" charset="-122"/>
-                <a:ea typeface="微软雅黑" pitchFamily="34" charset="-122"/>
-              </a:rPr>
-              <a:t>0</a:t>
-            </a:r>
-            <a:endParaRPr lang="en-US" altLang="zh-CN" sz="1400" dirty="0" smtClean="0">
-              <a:solidFill>
-                <a:schemeClr val="bg1">
-                  <a:lumMod val="75000"/>
-                </a:schemeClr>
-              </a:solidFill>
-              <a:latin typeface="微软雅黑" pitchFamily="34" charset="-122"/>
-              <a:ea typeface="微软雅黑" pitchFamily="34" charset="-122"/>
-            </a:endParaRPr>
-          </a:p>
-          <a:p>
-            <a:r>
-              <a:rPr lang="en-US" altLang="zh-CN" sz="1400" dirty="0">
-                <a:solidFill>
-                  <a:schemeClr val="bg1">
-                    <a:lumMod val="75000"/>
-                  </a:schemeClr>
-                </a:solidFill>
-                <a:latin typeface="微软雅黑" pitchFamily="34" charset="-122"/>
-                <a:ea typeface="微软雅黑" pitchFamily="34" charset="-122"/>
-              </a:rPr>
-              <a:t>	</a:t>
-            </a:r>
-            <a:r>
-              <a:rPr lang="en-US" altLang="zh-CN" sz="1400" dirty="0" smtClean="0">
-                <a:solidFill>
-                  <a:schemeClr val="bg1">
-                    <a:lumMod val="75000"/>
-                  </a:schemeClr>
-                </a:solidFill>
-                <a:latin typeface="微软雅黑" pitchFamily="34" charset="-122"/>
-                <a:ea typeface="微软雅黑" pitchFamily="34" charset="-122"/>
-              </a:rPr>
-              <a:t>		if(!</a:t>
-            </a:r>
-            <a:r>
-              <a:rPr lang="en-US" altLang="zh-CN" sz="1400" dirty="0" err="1" smtClean="0">
-                <a:solidFill>
-                  <a:schemeClr val="bg1">
-                    <a:lumMod val="75000"/>
-                  </a:schemeClr>
-                </a:solidFill>
-                <a:latin typeface="微软雅黑" pitchFamily="34" charset="-122"/>
-                <a:ea typeface="微软雅黑" pitchFamily="34" charset="-122"/>
-              </a:rPr>
-              <a:t>m_bIsHoldBox</a:t>
-            </a:r>
-            <a:r>
-              <a:rPr lang="en-US" altLang="zh-CN" sz="1400" dirty="0" smtClean="0">
-                <a:solidFill>
-                  <a:schemeClr val="bg1">
-                    <a:lumMod val="75000"/>
-                  </a:schemeClr>
-                </a:solidFill>
-                <a:latin typeface="微软雅黑" pitchFamily="34" charset="-122"/>
-                <a:ea typeface="微软雅黑" pitchFamily="34" charset="-122"/>
-              </a:rPr>
-              <a:t> &amp;&amp; </a:t>
-            </a:r>
-            <a:r>
-              <a:rPr lang="en-US" altLang="zh-CN" sz="1400" dirty="0" err="1" smtClean="0">
-                <a:solidFill>
-                  <a:schemeClr val="bg1">
-                    <a:lumMod val="75000"/>
-                  </a:schemeClr>
-                </a:solidFill>
-                <a:latin typeface="微软雅黑" pitchFamily="34" charset="-122"/>
-                <a:ea typeface="微软雅黑" pitchFamily="34" charset="-122"/>
-              </a:rPr>
-              <a:t>m_bList.count</a:t>
-            </a:r>
-            <a:r>
-              <a:rPr lang="en-US" altLang="zh-CN" sz="1400" dirty="0" smtClean="0">
-                <a:solidFill>
-                  <a:schemeClr val="bg1">
-                    <a:lumMod val="75000"/>
-                  </a:schemeClr>
-                </a:solidFill>
-                <a:latin typeface="微软雅黑" pitchFamily="34" charset="-122"/>
-                <a:ea typeface="微软雅黑" pitchFamily="34" charset="-122"/>
-              </a:rPr>
-              <a:t> </a:t>
-            </a:r>
-            <a:r>
-              <a:rPr lang="zh-CN" altLang="en-US" sz="1400" dirty="0">
-                <a:solidFill>
-                  <a:schemeClr val="bg1">
-                    <a:lumMod val="75000"/>
-                  </a:schemeClr>
-                </a:solidFill>
-                <a:latin typeface="微软雅黑" pitchFamily="34" charset="-122"/>
-                <a:ea typeface="微软雅黑" pitchFamily="34" charset="-122"/>
-              </a:rPr>
-              <a:t> </a:t>
-            </a:r>
-            <a:r>
-              <a:rPr lang="en-US" altLang="zh-CN" sz="1400" dirty="0" smtClean="0">
-                <a:solidFill>
-                  <a:schemeClr val="bg1">
-                    <a:lumMod val="75000"/>
-                  </a:schemeClr>
-                </a:solidFill>
-                <a:latin typeface="微软雅黑" pitchFamily="34" charset="-122"/>
-                <a:ea typeface="微软雅黑" pitchFamily="34" charset="-122"/>
-              </a:rPr>
-              <a:t>&gt; 0) {}</a:t>
-            </a:r>
-          </a:p>
-          <a:p>
-            <a:endParaRPr lang="zh-CN" altLang="en-US" sz="1400" dirty="0">
-              <a:solidFill>
-                <a:schemeClr val="bg1">
-                  <a:lumMod val="75000"/>
-                </a:schemeClr>
-              </a:solidFill>
-              <a:latin typeface="微软雅黑" pitchFamily="34" charset="-122"/>
-              <a:ea typeface="微软雅黑" pitchFamily="34" charset="-122"/>
             </a:endParaRPr>
           </a:p>
         </p:txBody>
@@ -4174,7 +3580,7 @@
     </p:spTree>
     <p:extLst>
       <p:ext uri="{BB962C8B-B14F-4D97-AF65-F5344CB8AC3E}">
-        <p14:creationId xmlns:p14="http://schemas.microsoft.com/office/powerpoint/2010/main" val="2003159485"/>
+        <p14:creationId xmlns:p14="http://schemas.microsoft.com/office/powerpoint/2010/main" val="129935378"/>
       </p:ext>
     </p:extLst>
   </p:cSld>

--- a/Major's Collider.pptx
+++ b/Major's Collider.pptx
@@ -289,7 +289,7 @@
           <a:p>
             <a:fld id="{530820CF-B880-4189-942D-D702A7CBA730}" type="datetimeFigureOut">
               <a:rPr lang="zh-CN" altLang="en-US" smtClean="0"/>
-              <a:t>2017/9/9</a:t>
+              <a:t>2017/9/10</a:t>
             </a:fld>
             <a:endParaRPr lang="zh-CN" altLang="en-US"/>
           </a:p>
@@ -454,7 +454,7 @@
           <a:p>
             <a:fld id="{530820CF-B880-4189-942D-D702A7CBA730}" type="datetimeFigureOut">
               <a:rPr lang="zh-CN" altLang="en-US" smtClean="0"/>
-              <a:t>2017/9/9</a:t>
+              <a:t>2017/9/10</a:t>
             </a:fld>
             <a:endParaRPr lang="zh-CN" altLang="en-US"/>
           </a:p>
@@ -629,7 +629,7 @@
           <a:p>
             <a:fld id="{530820CF-B880-4189-942D-D702A7CBA730}" type="datetimeFigureOut">
               <a:rPr lang="zh-CN" altLang="en-US" smtClean="0"/>
-              <a:t>2017/9/9</a:t>
+              <a:t>2017/9/10</a:t>
             </a:fld>
             <a:endParaRPr lang="zh-CN" altLang="en-US"/>
           </a:p>
@@ -794,7 +794,7 @@
           <a:p>
             <a:fld id="{530820CF-B880-4189-942D-D702A7CBA730}" type="datetimeFigureOut">
               <a:rPr lang="zh-CN" altLang="en-US" smtClean="0"/>
-              <a:t>2017/9/9</a:t>
+              <a:t>2017/9/10</a:t>
             </a:fld>
             <a:endParaRPr lang="zh-CN" altLang="en-US"/>
           </a:p>
@@ -1035,7 +1035,7 @@
           <a:p>
             <a:fld id="{530820CF-B880-4189-942D-D702A7CBA730}" type="datetimeFigureOut">
               <a:rPr lang="zh-CN" altLang="en-US" smtClean="0"/>
-              <a:t>2017/9/9</a:t>
+              <a:t>2017/9/10</a:t>
             </a:fld>
             <a:endParaRPr lang="zh-CN" altLang="en-US"/>
           </a:p>
@@ -1318,7 +1318,7 @@
           <a:p>
             <a:fld id="{530820CF-B880-4189-942D-D702A7CBA730}" type="datetimeFigureOut">
               <a:rPr lang="zh-CN" altLang="en-US" smtClean="0"/>
-              <a:t>2017/9/9</a:t>
+              <a:t>2017/9/10</a:t>
             </a:fld>
             <a:endParaRPr lang="zh-CN" altLang="en-US"/>
           </a:p>
@@ -1735,7 +1735,7 @@
           <a:p>
             <a:fld id="{530820CF-B880-4189-942D-D702A7CBA730}" type="datetimeFigureOut">
               <a:rPr lang="zh-CN" altLang="en-US" smtClean="0"/>
-              <a:t>2017/9/9</a:t>
+              <a:t>2017/9/10</a:t>
             </a:fld>
             <a:endParaRPr lang="zh-CN" altLang="en-US"/>
           </a:p>
@@ -1848,7 +1848,7 @@
           <a:p>
             <a:fld id="{530820CF-B880-4189-942D-D702A7CBA730}" type="datetimeFigureOut">
               <a:rPr lang="zh-CN" altLang="en-US" smtClean="0"/>
-              <a:t>2017/9/9</a:t>
+              <a:t>2017/9/10</a:t>
             </a:fld>
             <a:endParaRPr lang="zh-CN" altLang="en-US"/>
           </a:p>
@@ -1938,7 +1938,7 @@
           <a:p>
             <a:fld id="{530820CF-B880-4189-942D-D702A7CBA730}" type="datetimeFigureOut">
               <a:rPr lang="zh-CN" altLang="en-US" smtClean="0"/>
-              <a:t>2017/9/9</a:t>
+              <a:t>2017/9/10</a:t>
             </a:fld>
             <a:endParaRPr lang="zh-CN" altLang="en-US"/>
           </a:p>
@@ -2210,7 +2210,7 @@
           <a:p>
             <a:fld id="{530820CF-B880-4189-942D-D702A7CBA730}" type="datetimeFigureOut">
               <a:rPr lang="zh-CN" altLang="en-US" smtClean="0"/>
-              <a:t>2017/9/9</a:t>
+              <a:t>2017/9/10</a:t>
             </a:fld>
             <a:endParaRPr lang="zh-CN" altLang="en-US"/>
           </a:p>
@@ -2458,7 +2458,7 @@
           <a:p>
             <a:fld id="{530820CF-B880-4189-942D-D702A7CBA730}" type="datetimeFigureOut">
               <a:rPr lang="zh-CN" altLang="en-US" smtClean="0"/>
-              <a:t>2017/9/9</a:t>
+              <a:t>2017/9/10</a:t>
             </a:fld>
             <a:endParaRPr lang="zh-CN" altLang="en-US"/>
           </a:p>
@@ -2666,7 +2666,7 @@
           <a:p>
             <a:fld id="{530820CF-B880-4189-942D-D702A7CBA730}" type="datetimeFigureOut">
               <a:rPr lang="zh-CN" altLang="en-US" smtClean="0"/>
-              <a:t>2017/9/9</a:t>
+              <a:t>2017/9/10</a:t>
             </a:fld>
             <a:endParaRPr lang="zh-CN" altLang="en-US"/>
           </a:p>
@@ -3193,20 +3193,7 @@
                 <a:ea typeface="微软雅黑" pitchFamily="34" charset="-122"/>
                 <a:cs typeface="Verdana" pitchFamily="34" charset="0"/>
               </a:rPr>
-              <a:t>Brick: Layer -&gt; Brick &lt;Major can jump down</a:t>
-            </a:r>
-            <a:r>
-              <a:rPr lang="en-US" altLang="zh-CN" sz="1100" dirty="0" smtClean="0">
-                <a:solidFill>
-                  <a:schemeClr val="bg1">
-                    <a:lumMod val="85000"/>
-                  </a:schemeClr>
-                </a:solidFill>
-                <a:latin typeface="微软雅黑" pitchFamily="34" charset="-122"/>
-                <a:ea typeface="微软雅黑" pitchFamily="34" charset="-122"/>
-                <a:cs typeface="Verdana" pitchFamily="34" charset="0"/>
-              </a:rPr>
-              <a:t>&gt;</a:t>
+              <a:t>Brick: Layer -&gt; Brick &lt;Major can jump down&gt;</a:t>
             </a:r>
           </a:p>
           <a:p>
@@ -3573,6 +3560,178 @@
               <a:solidFill>
                 <a:schemeClr val="bg2"/>
               </a:solidFill>
+            </a:endParaRPr>
+          </a:p>
+        </p:txBody>
+      </p:sp>
+      <p:sp>
+        <p:nvSpPr>
+          <p:cNvPr id="2" name="TextBox 1"/>
+          <p:cNvSpPr txBox="1"/>
+          <p:nvPr/>
+        </p:nvSpPr>
+        <p:spPr>
+          <a:xfrm>
+            <a:off x="971600" y="980728"/>
+            <a:ext cx="5253361" cy="707886"/>
+          </a:xfrm>
+          <a:prstGeom prst="rect">
+            <a:avLst/>
+          </a:prstGeom>
+          <a:noFill/>
+        </p:spPr>
+        <p:txBody>
+          <a:bodyPr wrap="none" rtlCol="0">
+            <a:spAutoFit/>
+          </a:bodyPr>
+          <a:lstStyle/>
+          <a:p>
+            <a:r>
+              <a:rPr lang="en-US" altLang="zh-CN" sz="1000" dirty="0" smtClean="0">
+                <a:solidFill>
+                  <a:schemeClr val="bg1"/>
+                </a:solidFill>
+                <a:latin typeface="微软雅黑" pitchFamily="34" charset="-122"/>
+                <a:ea typeface="微软雅黑" pitchFamily="34" charset="-122"/>
+              </a:rPr>
+              <a:t>Requirements:</a:t>
+            </a:r>
+          </a:p>
+          <a:p>
+            <a:r>
+              <a:rPr lang="en-US" altLang="zh-CN" sz="1000" dirty="0">
+                <a:solidFill>
+                  <a:schemeClr val="bg1"/>
+                </a:solidFill>
+                <a:latin typeface="微软雅黑" pitchFamily="34" charset="-122"/>
+                <a:ea typeface="微软雅黑" pitchFamily="34" charset="-122"/>
+              </a:rPr>
+              <a:t>	</a:t>
+            </a:r>
+            <a:r>
+              <a:rPr lang="en-US" altLang="zh-CN" sz="1000" dirty="0" smtClean="0">
+                <a:solidFill>
+                  <a:schemeClr val="bg1"/>
+                </a:solidFill>
+                <a:latin typeface="微软雅黑" pitchFamily="34" charset="-122"/>
+                <a:ea typeface="微软雅黑" pitchFamily="34" charset="-122"/>
+              </a:rPr>
+              <a:t>	1, </a:t>
+            </a:r>
+            <a:r>
+              <a:rPr lang="zh-CN" altLang="en-US" sz="1000" dirty="0" smtClean="0">
+                <a:solidFill>
+                  <a:schemeClr val="bg1"/>
+                </a:solidFill>
+                <a:latin typeface="微软雅黑" pitchFamily="34" charset="-122"/>
+                <a:ea typeface="微软雅黑" pitchFamily="34" charset="-122"/>
+              </a:rPr>
+              <a:t>按下</a:t>
+            </a:r>
+            <a:r>
+              <a:rPr lang="en-US" altLang="zh-CN" sz="1000" dirty="0" smtClean="0">
+                <a:solidFill>
+                  <a:schemeClr val="bg1"/>
+                </a:solidFill>
+                <a:latin typeface="微软雅黑" pitchFamily="34" charset="-122"/>
+                <a:ea typeface="微软雅黑" pitchFamily="34" charset="-122"/>
+              </a:rPr>
+              <a:t>J</a:t>
+            </a:r>
+            <a:r>
+              <a:rPr lang="zh-CN" altLang="en-US" sz="1000" dirty="0" smtClean="0">
+                <a:solidFill>
+                  <a:schemeClr val="bg1"/>
+                </a:solidFill>
+                <a:latin typeface="微软雅黑" pitchFamily="34" charset="-122"/>
+                <a:ea typeface="微软雅黑" pitchFamily="34" charset="-122"/>
+              </a:rPr>
+              <a:t>，执行下跳操作。</a:t>
+            </a:r>
+            <a:endParaRPr lang="en-US" altLang="zh-CN" sz="1000" dirty="0" smtClean="0">
+              <a:solidFill>
+                <a:schemeClr val="bg1"/>
+              </a:solidFill>
+              <a:latin typeface="微软雅黑" pitchFamily="34" charset="-122"/>
+              <a:ea typeface="微软雅黑" pitchFamily="34" charset="-122"/>
+            </a:endParaRPr>
+          </a:p>
+          <a:p>
+            <a:r>
+              <a:rPr lang="en-US" altLang="zh-CN" sz="1000" dirty="0">
+                <a:solidFill>
+                  <a:schemeClr val="bg1"/>
+                </a:solidFill>
+                <a:latin typeface="微软雅黑" pitchFamily="34" charset="-122"/>
+                <a:ea typeface="微软雅黑" pitchFamily="34" charset="-122"/>
+              </a:rPr>
+              <a:t>	</a:t>
+            </a:r>
+            <a:r>
+              <a:rPr lang="en-US" altLang="zh-CN" sz="1000" dirty="0" smtClean="0">
+                <a:solidFill>
+                  <a:schemeClr val="bg1"/>
+                </a:solidFill>
+                <a:latin typeface="微软雅黑" pitchFamily="34" charset="-122"/>
+                <a:ea typeface="微软雅黑" pitchFamily="34" charset="-122"/>
+              </a:rPr>
+              <a:t>	2, </a:t>
+            </a:r>
+            <a:r>
+              <a:rPr lang="zh-CN" altLang="en-US" sz="1000" dirty="0" smtClean="0">
+                <a:solidFill>
+                  <a:schemeClr val="bg1"/>
+                </a:solidFill>
+                <a:latin typeface="微软雅黑" pitchFamily="34" charset="-122"/>
+                <a:ea typeface="微软雅黑" pitchFamily="34" charset="-122"/>
+              </a:rPr>
+              <a:t>当下落过程中，前方有阻挡物，那么不能执行前进操作</a:t>
+            </a:r>
+            <a:endParaRPr lang="en-US" altLang="zh-CN" sz="1000" dirty="0" smtClean="0">
+              <a:solidFill>
+                <a:schemeClr val="bg1"/>
+              </a:solidFill>
+              <a:latin typeface="微软雅黑" pitchFamily="34" charset="-122"/>
+              <a:ea typeface="微软雅黑" pitchFamily="34" charset="-122"/>
+            </a:endParaRPr>
+          </a:p>
+          <a:p>
+            <a:r>
+              <a:rPr lang="en-US" altLang="zh-CN" sz="1000" dirty="0">
+                <a:solidFill>
+                  <a:schemeClr val="bg1"/>
+                </a:solidFill>
+                <a:latin typeface="微软雅黑" pitchFamily="34" charset="-122"/>
+                <a:ea typeface="微软雅黑" pitchFamily="34" charset="-122"/>
+              </a:rPr>
+              <a:t>	</a:t>
+            </a:r>
+            <a:r>
+              <a:rPr lang="en-US" altLang="zh-CN" sz="1000" dirty="0" smtClean="0">
+                <a:solidFill>
+                  <a:schemeClr val="bg1"/>
+                </a:solidFill>
+                <a:latin typeface="微软雅黑" pitchFamily="34" charset="-122"/>
+                <a:ea typeface="微软雅黑" pitchFamily="34" charset="-122"/>
+              </a:rPr>
+              <a:t>	3, </a:t>
+            </a:r>
+            <a:r>
+              <a:rPr lang="zh-CN" altLang="en-US" sz="1000" smtClean="0">
+                <a:solidFill>
+                  <a:schemeClr val="bg1"/>
+                </a:solidFill>
+                <a:latin typeface="微软雅黑" pitchFamily="34" charset="-122"/>
+                <a:ea typeface="微软雅黑" pitchFamily="34" charset="-122"/>
+              </a:rPr>
+              <a:t>在地面上不能执行下落操作</a:t>
+            </a:r>
+            <a:endParaRPr lang="zh-CN" altLang="en-US" sz="1000" dirty="0">
+              <a:solidFill>
+                <a:schemeClr val="bg1"/>
+              </a:solidFill>
+              <a:latin typeface="微软雅黑" pitchFamily="34" charset="-122"/>
+              <a:ea typeface="微软雅黑" pitchFamily="34" charset="-122"/>
             </a:endParaRPr>
           </a:p>
         </p:txBody>
